--- a/Pick Your Plate.pptx
+++ b/Pick Your Plate.pptx
@@ -6,10 +6,11 @@
   </p:sldMasterIdLst>
   <p:sldIdLst>
     <p:sldId id="256" r:id="rId2"/>
-    <p:sldId id="257" r:id="rId3"/>
-    <p:sldId id="258" r:id="rId4"/>
-    <p:sldId id="259" r:id="rId5"/>
-    <p:sldId id="260" r:id="rId6"/>
+    <p:sldId id="261" r:id="rId3"/>
+    <p:sldId id="257" r:id="rId4"/>
+    <p:sldId id="258" r:id="rId5"/>
+    <p:sldId id="259" r:id="rId6"/>
+    <p:sldId id="260" r:id="rId7"/>
   </p:sldIdLst>
   <p:sldSz cx="12192000" cy="6858000"/>
   <p:notesSz cx="6858000" cy="9144000"/>
@@ -108,6 +109,11 @@
       </a:defRPr>
     </a:lvl9pPr>
   </p:defaultTextStyle>
+  <p:extLst>
+    <p:ext uri="{EFAFB233-063F-42B5-8137-9DF3F51BA10A}">
+      <p15:sldGuideLst xmlns:p15="http://schemas.microsoft.com/office/powerpoint/2012/main"/>
+    </p:ext>
+  </p:extLst>
 </p:presentation>
 </file>
 
@@ -834,7 +840,7 @@
             <a:fld id="{B61BEF0D-F0BB-DE4B-95CE-6DB70DBA9567}" type="datetimeFigureOut">
               <a:rPr lang="en-US" dirty="0"/>
               <a:pPr/>
-              <a:t>1/11/2019</a:t>
+              <a:t>1/12/2019</a:t>
             </a:fld>
             <a:endParaRPr lang="en-US" dirty="0"/>
           </a:p>
@@ -1082,7 +1088,7 @@
             <a:fld id="{B61BEF0D-F0BB-DE4B-95CE-6DB70DBA9567}" type="datetimeFigureOut">
               <a:rPr lang="en-US" dirty="0"/>
               <a:pPr/>
-              <a:t>1/11/2019</a:t>
+              <a:t>1/12/2019</a:t>
             </a:fld>
             <a:endParaRPr lang="en-US" dirty="0"/>
           </a:p>
@@ -1393,7 +1399,7 @@
             <a:fld id="{B61BEF0D-F0BB-DE4B-95CE-6DB70DBA9567}" type="datetimeFigureOut">
               <a:rPr lang="en-US" dirty="0"/>
               <a:pPr/>
-              <a:t>1/11/2019</a:t>
+              <a:t>1/12/2019</a:t>
             </a:fld>
             <a:endParaRPr lang="en-US" dirty="0"/>
           </a:p>
@@ -1731,7 +1737,7 @@
             <a:fld id="{B61BEF0D-F0BB-DE4B-95CE-6DB70DBA9567}" type="datetimeFigureOut">
               <a:rPr lang="en-US" dirty="0"/>
               <a:pPr/>
-              <a:t>1/11/2019</a:t>
+              <a:t>1/12/2019</a:t>
             </a:fld>
             <a:endParaRPr lang="en-US" dirty="0"/>
           </a:p>
@@ -2042,7 +2048,7 @@
             <a:fld id="{B61BEF0D-F0BB-DE4B-95CE-6DB70DBA9567}" type="datetimeFigureOut">
               <a:rPr lang="en-US" dirty="0"/>
               <a:pPr/>
-              <a:t>1/11/2019</a:t>
+              <a:t>1/12/2019</a:t>
             </a:fld>
             <a:endParaRPr lang="en-US" dirty="0"/>
           </a:p>
@@ -2432,7 +2438,7 @@
             <a:fld id="{B61BEF0D-F0BB-DE4B-95CE-6DB70DBA9567}" type="datetimeFigureOut">
               <a:rPr lang="en-US" dirty="0"/>
               <a:pPr/>
-              <a:t>1/11/2019</a:t>
+              <a:t>1/12/2019</a:t>
             </a:fld>
             <a:endParaRPr lang="en-US" dirty="0"/>
           </a:p>
@@ -2598,7 +2604,7 @@
           <a:p>
             <a:fld id="{55C6B4A9-1611-4792-9094-5F34BCA07E0B}" type="datetimeFigureOut">
               <a:rPr lang="en-US" dirty="0"/>
-              <a:t>1/11/2019</a:t>
+              <a:t>1/12/2019</a:t>
             </a:fld>
             <a:endParaRPr lang="en-US" dirty="0"/>
           </a:p>
@@ -2774,7 +2780,7 @@
             <a:fld id="{B61BEF0D-F0BB-DE4B-95CE-6DB70DBA9567}" type="datetimeFigureOut">
               <a:rPr lang="en-US" dirty="0"/>
               <a:pPr/>
-              <a:t>1/11/2019</a:t>
+              <a:t>1/12/2019</a:t>
             </a:fld>
             <a:endParaRPr lang="en-US" dirty="0"/>
           </a:p>
@@ -2947,7 +2953,7 @@
             <a:fld id="{B61BEF0D-F0BB-DE4B-95CE-6DB70DBA9567}" type="datetimeFigureOut">
               <a:rPr lang="en-US" dirty="0"/>
               <a:pPr/>
-              <a:t>1/11/2019</a:t>
+              <a:t>1/12/2019</a:t>
             </a:fld>
             <a:endParaRPr lang="en-US" dirty="0"/>
           </a:p>
@@ -3191,7 +3197,7 @@
             <a:fld id="{B61BEF0D-F0BB-DE4B-95CE-6DB70DBA9567}" type="datetimeFigureOut">
               <a:rPr lang="en-US" dirty="0"/>
               <a:pPr/>
-              <a:t>1/11/2019</a:t>
+              <a:t>1/12/2019</a:t>
             </a:fld>
             <a:endParaRPr lang="en-US" dirty="0"/>
           </a:p>
@@ -3419,7 +3425,7 @@
           <a:p>
             <a:fld id="{EB712588-04B1-427B-82EE-E8DB90309F08}" type="datetimeFigureOut">
               <a:rPr lang="en-US" dirty="0"/>
-              <a:t>1/11/2019</a:t>
+              <a:t>1/12/2019</a:t>
             </a:fld>
             <a:endParaRPr lang="en-US" dirty="0"/>
           </a:p>
@@ -3789,7 +3795,7 @@
             <a:fld id="{B61BEF0D-F0BB-DE4B-95CE-6DB70DBA9567}" type="datetimeFigureOut">
               <a:rPr lang="en-US" dirty="0"/>
               <a:pPr/>
-              <a:t>1/11/2019</a:t>
+              <a:t>1/12/2019</a:t>
             </a:fld>
             <a:endParaRPr lang="en-US" dirty="0"/>
           </a:p>
@@ -3909,7 +3915,7 @@
             <a:fld id="{B61BEF0D-F0BB-DE4B-95CE-6DB70DBA9567}" type="datetimeFigureOut">
               <a:rPr lang="en-US" dirty="0"/>
               <a:pPr/>
-              <a:t>1/11/2019</a:t>
+              <a:t>1/12/2019</a:t>
             </a:fld>
             <a:endParaRPr lang="en-US" dirty="0"/>
           </a:p>
@@ -4001,7 +4007,7 @@
             <a:fld id="{B61BEF0D-F0BB-DE4B-95CE-6DB70DBA9567}" type="datetimeFigureOut">
               <a:rPr lang="en-US" dirty="0"/>
               <a:pPr/>
-              <a:t>1/11/2019</a:t>
+              <a:t>1/12/2019</a:t>
             </a:fld>
             <a:endParaRPr lang="en-US" dirty="0"/>
           </a:p>
@@ -4252,7 +4258,7 @@
           <a:p>
             <a:fld id="{42A54C80-263E-416B-A8E0-580EDEADCBDC}" type="datetimeFigureOut">
               <a:rPr lang="en-US" dirty="0"/>
-              <a:t>1/11/2019</a:t>
+              <a:t>1/12/2019</a:t>
             </a:fld>
             <a:endParaRPr lang="en-US" dirty="0"/>
           </a:p>
@@ -4511,7 +4517,7 @@
             <a:fld id="{B61BEF0D-F0BB-DE4B-95CE-6DB70DBA9567}" type="datetimeFigureOut">
               <a:rPr lang="en-US" dirty="0"/>
               <a:pPr/>
-              <a:t>1/11/2019</a:t>
+              <a:t>1/12/2019</a:t>
             </a:fld>
             <a:endParaRPr lang="en-US" dirty="0"/>
           </a:p>
@@ -5251,7 +5257,7 @@
             <a:fld id="{B61BEF0D-F0BB-DE4B-95CE-6DB70DBA9567}" type="datetimeFigureOut">
               <a:rPr lang="en-US" dirty="0"/>
               <a:pPr/>
-              <a:t>1/11/2019</a:t>
+              <a:t>1/12/2019</a:t>
             </a:fld>
             <a:endParaRPr lang="en-US" dirty="0"/>
           </a:p>
@@ -5946,6 +5952,92 @@
           <p:cNvPr id="2" name="Title 1">
             <a:extLst>
               <a:ext uri="{FF2B5EF4-FFF2-40B4-BE49-F238E27FC236}">
+                <a16:creationId xmlns:a16="http://schemas.microsoft.com/office/drawing/2014/main" id="{0E272658-5CE6-4646-9357-4A5169D055F5}"/>
+              </a:ext>
+            </a:extLst>
+          </p:cNvPr>
+          <p:cNvSpPr>
+            <a:spLocks noGrp="1"/>
+          </p:cNvSpPr>
+          <p:nvPr>
+            <p:ph type="title"/>
+          </p:nvPr>
+        </p:nvSpPr>
+        <p:spPr/>
+        <p:txBody>
+          <a:bodyPr/>
+          <a:lstStyle/>
+          <a:p>
+            <a:r>
+              <a:rPr lang="en-US" dirty="0"/>
+              <a:t>Goal</a:t>
+            </a:r>
+          </a:p>
+        </p:txBody>
+      </p:sp>
+      <p:sp>
+        <p:nvSpPr>
+          <p:cNvPr id="3" name="Content Placeholder 2">
+            <a:extLst>
+              <a:ext uri="{FF2B5EF4-FFF2-40B4-BE49-F238E27FC236}">
+                <a16:creationId xmlns:a16="http://schemas.microsoft.com/office/drawing/2014/main" id="{32F84C03-2158-4BA6-A807-012969113540}"/>
+              </a:ext>
+            </a:extLst>
+          </p:cNvPr>
+          <p:cNvSpPr>
+            <a:spLocks noGrp="1"/>
+          </p:cNvSpPr>
+          <p:nvPr>
+            <p:ph idx="1"/>
+          </p:nvPr>
+        </p:nvSpPr>
+        <p:spPr/>
+        <p:txBody>
+          <a:bodyPr/>
+          <a:lstStyle/>
+          <a:p>
+            <a:r>
+              <a:rPr lang="en-US" dirty="0"/>
+              <a:t>To find recipes to cook at home or restaurants to eat out.</a:t>
+            </a:r>
+          </a:p>
+        </p:txBody>
+      </p:sp>
+    </p:spTree>
+    <p:extLst>
+      <p:ext uri="{BB962C8B-B14F-4D97-AF65-F5344CB8AC3E}">
+        <p14:creationId xmlns:p14="http://schemas.microsoft.com/office/powerpoint/2010/main" val="113522958"/>
+      </p:ext>
+    </p:extLst>
+  </p:cSld>
+  <p:clrMapOvr>
+    <a:masterClrMapping/>
+  </p:clrMapOvr>
+</p:sld>
+</file>
+
+<file path=ppt/slides/slide3.xml><?xml version="1.0" encoding="utf-8"?>
+<p:sld xmlns:a="http://schemas.openxmlformats.org/drawingml/2006/main" xmlns:r="http://schemas.openxmlformats.org/officeDocument/2006/relationships" xmlns:p="http://schemas.openxmlformats.org/presentationml/2006/main">
+  <p:cSld>
+    <p:spTree>
+      <p:nvGrpSpPr>
+        <p:cNvPr id="1" name=""/>
+        <p:cNvGrpSpPr/>
+        <p:nvPr/>
+      </p:nvGrpSpPr>
+      <p:grpSpPr>
+        <a:xfrm>
+          <a:off x="0" y="0"/>
+          <a:ext cx="0" cy="0"/>
+          <a:chOff x="0" y="0"/>
+          <a:chExt cx="0" cy="0"/>
+        </a:xfrm>
+      </p:grpSpPr>
+      <p:sp>
+        <p:nvSpPr>
+          <p:cNvPr id="2" name="Title 1">
+            <a:extLst>
+              <a:ext uri="{FF2B5EF4-FFF2-40B4-BE49-F238E27FC236}">
                 <a16:creationId xmlns:a16="http://schemas.microsoft.com/office/drawing/2014/main" id="{0243F28B-521C-4213-8D41-2AE940CE342B}"/>
               </a:ext>
             </a:extLst>
@@ -6353,7 +6445,7 @@
 </p:sld>
 </file>
 
-<file path=ppt/slides/slide3.xml><?xml version="1.0" encoding="utf-8"?>
+<file path=ppt/slides/slide4.xml><?xml version="1.0" encoding="utf-8"?>
 <p:sld xmlns:a="http://schemas.openxmlformats.org/drawingml/2006/main" xmlns:r="http://schemas.openxmlformats.org/officeDocument/2006/relationships" xmlns:p="http://schemas.openxmlformats.org/presentationml/2006/main">
   <p:cSld>
     <p:spTree>
@@ -6441,7 +6533,7 @@
 </p:sld>
 </file>
 
-<file path=ppt/slides/slide4.xml><?xml version="1.0" encoding="utf-8"?>
+<file path=ppt/slides/slide5.xml><?xml version="1.0" encoding="utf-8"?>
 <p:sld xmlns:a="http://schemas.openxmlformats.org/drawingml/2006/main" xmlns:r="http://schemas.openxmlformats.org/officeDocument/2006/relationships" xmlns:p="http://schemas.openxmlformats.org/presentationml/2006/main">
   <p:cSld>
     <p:spTree>
@@ -6505,7 +6597,7 @@
 </p:sld>
 </file>
 
-<file path=ppt/slides/slide5.xml><?xml version="1.0" encoding="utf-8"?>
+<file path=ppt/slides/slide6.xml><?xml version="1.0" encoding="utf-8"?>
 <p:sld xmlns:a="http://schemas.openxmlformats.org/drawingml/2006/main" xmlns:r="http://schemas.openxmlformats.org/officeDocument/2006/relationships" xmlns:p="http://schemas.openxmlformats.org/presentationml/2006/main">
   <p:cSld>
     <p:spTree>

--- a/Pick Your Plate.pptx
+++ b/Pick Your Plate.pptx
@@ -5917,6 +5917,49 @@
           </a:p>
         </p:txBody>
       </p:sp>
+      <p:pic>
+        <p:nvPicPr>
+          <p:cNvPr id="5" name="Picture 4" descr="A picture containing sitting, indoor&#10;&#10;Description generated with high confidence">
+            <a:extLst>
+              <a:ext uri="{FF2B5EF4-FFF2-40B4-BE49-F238E27FC236}">
+                <a16:creationId xmlns:a16="http://schemas.microsoft.com/office/drawing/2014/main" id="{16E02D1F-21F7-45A5-B46F-315B61F7B8E3}"/>
+              </a:ext>
+            </a:extLst>
+          </p:cNvPr>
+          <p:cNvPicPr>
+            <a:picLocks noChangeAspect="1"/>
+          </p:cNvPicPr>
+          <p:nvPr/>
+        </p:nvPicPr>
+        <p:blipFill>
+          <a:blip r:embed="rId3"/>
+          <a:stretch>
+            <a:fillRect/>
+          </a:stretch>
+        </p:blipFill>
+        <p:spPr>
+          <a:xfrm>
+            <a:off x="2712995" y="3096807"/>
+            <a:ext cx="1335027" cy="954026"/>
+          </a:xfrm>
+          <a:prstGeom prst="roundRect">
+            <a:avLst>
+              <a:gd name="adj" fmla="val 8594"/>
+            </a:avLst>
+          </a:prstGeom>
+          <a:solidFill>
+            <a:srgbClr val="FFFFFF">
+              <a:shade val="85000"/>
+            </a:srgbClr>
+          </a:solidFill>
+          <a:ln>
+            <a:noFill/>
+          </a:ln>
+          <a:effectLst>
+            <a:reflection blurRad="12700" stA="38000" endPos="28000" dist="5000" dir="5400000" sy="-100000" algn="bl" rotWithShape="0"/>
+          </a:effectLst>
+        </p:spPr>
+      </p:pic>
     </p:spTree>
     <p:extLst>
       <p:ext uri="{BB962C8B-B14F-4D97-AF65-F5344CB8AC3E}">
